--- a/img/lstm_model.pptx
+++ b/img/lstm_model.pptx
@@ -242,7 +242,7 @@
           <a:lstStyle/>
           <a:p>
             <a:fld id="{088E9914-5902-1149-A491-99309B2717EE}" type="datetimeFigureOut">
-              <a:t>19.06.20</a:t>
+              <a:t>14.07.20</a:t>
             </a:fld>
             <a:endParaRPr lang="de-DE"/>
           </a:p>
@@ -410,7 +410,7 @@
           <a:lstStyle/>
           <a:p>
             <a:fld id="{088E9914-5902-1149-A491-99309B2717EE}" type="datetimeFigureOut">
-              <a:t>19.06.20</a:t>
+              <a:t>14.07.20</a:t>
             </a:fld>
             <a:endParaRPr lang="de-DE"/>
           </a:p>
@@ -499,7 +499,7 @@
         </p:nvSpPr>
         <p:spPr>
           <a:xfrm>
-            <a:off x="8724901" y="489707"/>
+            <a:off x="8724901" y="489708"/>
             <a:ext cx="2628900" cy="7794859"/>
           </a:xfrm>
         </p:spPr>
@@ -527,7 +527,7 @@
         </p:nvSpPr>
         <p:spPr>
           <a:xfrm>
-            <a:off x="838201" y="489707"/>
+            <a:off x="838201" y="489708"/>
             <a:ext cx="7734300" cy="7794859"/>
           </a:xfrm>
         </p:spPr>
@@ -588,7 +588,7 @@
           <a:lstStyle/>
           <a:p>
             <a:fld id="{088E9914-5902-1149-A491-99309B2717EE}" type="datetimeFigureOut">
-              <a:t>19.06.20</a:t>
+              <a:t>14.07.20</a:t>
             </a:fld>
             <a:endParaRPr lang="de-DE"/>
           </a:p>
@@ -756,7 +756,7 @@
           <a:lstStyle/>
           <a:p>
             <a:fld id="{088E9914-5902-1149-A491-99309B2717EE}" type="datetimeFigureOut">
-              <a:t>19.06.20</a:t>
+              <a:t>14.07.20</a:t>
             </a:fld>
             <a:endParaRPr lang="de-DE"/>
           </a:p>
@@ -877,7 +877,7 @@
         </p:nvSpPr>
         <p:spPr>
           <a:xfrm>
-            <a:off x="831851" y="6155407"/>
+            <a:off x="831851" y="6155408"/>
             <a:ext cx="10515600" cy="2012056"/>
           </a:xfrm>
         </p:spPr>
@@ -998,7 +998,7 @@
           <a:lstStyle/>
           <a:p>
             <a:fld id="{088E9914-5902-1149-A491-99309B2717EE}" type="datetimeFigureOut">
-              <a:t>19.06.20</a:t>
+              <a:t>14.07.20</a:t>
             </a:fld>
             <a:endParaRPr lang="de-DE"/>
           </a:p>
@@ -1228,7 +1228,7 @@
           <a:lstStyle/>
           <a:p>
             <a:fld id="{088E9914-5902-1149-A491-99309B2717EE}" type="datetimeFigureOut">
-              <a:t>19.06.20</a:t>
+              <a:t>14.07.20</a:t>
             </a:fld>
             <a:endParaRPr lang="de-DE"/>
           </a:p>
@@ -1345,7 +1345,7 @@
         </p:nvSpPr>
         <p:spPr>
           <a:xfrm>
-            <a:off x="839789" y="2254782"/>
+            <a:off x="839791" y="2254782"/>
             <a:ext cx="5157787" cy="1105034"/>
           </a:xfrm>
         </p:spPr>
@@ -1410,7 +1410,7 @@
         </p:nvSpPr>
         <p:spPr>
           <a:xfrm>
-            <a:off x="839789" y="3359816"/>
+            <a:off x="839791" y="3359817"/>
             <a:ext cx="5157787" cy="4941783"/>
           </a:xfrm>
         </p:spPr>
@@ -1532,7 +1532,7 @@
         </p:nvSpPr>
         <p:spPr>
           <a:xfrm>
-            <a:off x="6172201" y="3359816"/>
+            <a:off x="6172201" y="3359817"/>
             <a:ext cx="5183188" cy="4941783"/>
           </a:xfrm>
         </p:spPr>
@@ -1593,7 +1593,7 @@
           <a:lstStyle/>
           <a:p>
             <a:fld id="{088E9914-5902-1149-A491-99309B2717EE}" type="datetimeFigureOut">
-              <a:t>19.06.20</a:t>
+              <a:t>14.07.20</a:t>
             </a:fld>
             <a:endParaRPr lang="de-DE"/>
           </a:p>
@@ -1709,7 +1709,7 @@
           <a:lstStyle/>
           <a:p>
             <a:fld id="{088E9914-5902-1149-A491-99309B2717EE}" type="datetimeFigureOut">
-              <a:t>19.06.20</a:t>
+              <a:t>14.07.20</a:t>
             </a:fld>
             <a:endParaRPr lang="de-DE"/>
           </a:p>
@@ -1802,7 +1802,7 @@
           <a:lstStyle/>
           <a:p>
             <a:fld id="{088E9914-5902-1149-A491-99309B2717EE}" type="datetimeFigureOut">
-              <a:t>19.06.20</a:t>
+              <a:t>14.07.20</a:t>
             </a:fld>
             <a:endParaRPr lang="de-DE"/>
           </a:p>
@@ -1891,7 +1891,7 @@
         </p:nvSpPr>
         <p:spPr>
           <a:xfrm>
-            <a:off x="839788" y="613198"/>
+            <a:off x="839790" y="613198"/>
             <a:ext cx="3932237" cy="2146194"/>
           </a:xfrm>
         </p:spPr>
@@ -1923,7 +1923,7 @@
         </p:nvSpPr>
         <p:spPr>
           <a:xfrm>
-            <a:off x="5183188" y="1324340"/>
+            <a:off x="5183188" y="1324341"/>
             <a:ext cx="6172200" cy="6536524"/>
           </a:xfrm>
         </p:spPr>
@@ -2008,7 +2008,7 @@
         </p:nvSpPr>
         <p:spPr>
           <a:xfrm>
-            <a:off x="839788" y="2759392"/>
+            <a:off x="839790" y="2759393"/>
             <a:ext cx="3932237" cy="5112116"/>
           </a:xfrm>
         </p:spPr>
@@ -2077,7 +2077,7 @@
           <a:lstStyle/>
           <a:p>
             <a:fld id="{088E9914-5902-1149-A491-99309B2717EE}" type="datetimeFigureOut">
-              <a:t>19.06.20</a:t>
+              <a:t>14.07.20</a:t>
             </a:fld>
             <a:endParaRPr lang="de-DE"/>
           </a:p>
@@ -2166,7 +2166,7 @@
         </p:nvSpPr>
         <p:spPr>
           <a:xfrm>
-            <a:off x="839788" y="613198"/>
+            <a:off x="839790" y="613198"/>
             <a:ext cx="3932237" cy="2146194"/>
           </a:xfrm>
         </p:spPr>
@@ -2198,7 +2198,7 @@
         </p:nvSpPr>
         <p:spPr>
           <a:xfrm>
-            <a:off x="5183188" y="1324340"/>
+            <a:off x="5183188" y="1324341"/>
             <a:ext cx="6172200" cy="6536524"/>
           </a:xfrm>
         </p:spPr>
@@ -2263,7 +2263,7 @@
         </p:nvSpPr>
         <p:spPr>
           <a:xfrm>
-            <a:off x="839788" y="2759392"/>
+            <a:off x="839790" y="2759393"/>
             <a:ext cx="3932237" cy="5112116"/>
           </a:xfrm>
         </p:spPr>
@@ -2332,7 +2332,7 @@
           <a:lstStyle/>
           <a:p>
             <a:fld id="{088E9914-5902-1149-A491-99309B2717EE}" type="datetimeFigureOut">
-              <a:t>19.06.20</a:t>
+              <a:t>14.07.20</a:t>
             </a:fld>
             <a:endParaRPr lang="de-DE"/>
           </a:p>
@@ -2521,7 +2521,7 @@
         </p:nvSpPr>
         <p:spPr>
           <a:xfrm>
-            <a:off x="838200" y="8525162"/>
+            <a:off x="838200" y="8525163"/>
             <a:ext cx="2743200" cy="489707"/>
           </a:xfrm>
           <a:prstGeom prst="rect">
@@ -2543,7 +2543,7 @@
           </a:lstStyle>
           <a:p>
             <a:fld id="{088E9914-5902-1149-A491-99309B2717EE}" type="datetimeFigureOut">
-              <a:t>19.06.20</a:t>
+              <a:t>14.07.20</a:t>
             </a:fld>
             <a:endParaRPr lang="de-DE"/>
           </a:p>
@@ -2561,7 +2561,7 @@
         </p:nvSpPr>
         <p:spPr>
           <a:xfrm>
-            <a:off x="4038600" y="8525162"/>
+            <a:off x="4038600" y="8525163"/>
             <a:ext cx="4114800" cy="489707"/>
           </a:xfrm>
           <a:prstGeom prst="rect">
@@ -2598,7 +2598,7 @@
         </p:nvSpPr>
         <p:spPr>
           <a:xfrm>
-            <a:off x="8610600" y="8525162"/>
+            <a:off x="8610600" y="8525163"/>
             <a:ext cx="2743200" cy="489707"/>
           </a:xfrm>
           <a:prstGeom prst="rect">
@@ -2961,7 +2961,7 @@
         </p:nvSpPr>
         <p:spPr>
           <a:xfrm>
-            <a:off x="3856270" y="2841645"/>
+            <a:off x="3856274" y="2841645"/>
             <a:ext cx="840827" cy="599090"/>
           </a:xfrm>
           <a:prstGeom prst="roundRect">
@@ -3028,7 +3028,7 @@
         </p:nvSpPr>
         <p:spPr>
           <a:xfrm>
-            <a:off x="5269911" y="2841645"/>
+            <a:off x="5269915" y="2841645"/>
             <a:ext cx="840827" cy="599090"/>
           </a:xfrm>
           <a:prstGeom prst="roundRect">
@@ -3095,7 +3095,7 @@
         </p:nvSpPr>
         <p:spPr>
           <a:xfrm>
-            <a:off x="7682034" y="2841645"/>
+            <a:off x="7682038" y="2841645"/>
             <a:ext cx="840827" cy="599090"/>
           </a:xfrm>
           <a:prstGeom prst="roundRect">
@@ -3162,7 +3162,7 @@
         </p:nvSpPr>
         <p:spPr>
           <a:xfrm>
-            <a:off x="4634788" y="4420690"/>
+            <a:off x="4634792" y="4420690"/>
             <a:ext cx="840827" cy="599090"/>
           </a:xfrm>
           <a:prstGeom prst="roundRect">
@@ -3229,7 +3229,7 @@
         </p:nvSpPr>
         <p:spPr>
           <a:xfrm>
-            <a:off x="6048429" y="4420690"/>
+            <a:off x="6048433" y="4420690"/>
             <a:ext cx="840827" cy="599090"/>
           </a:xfrm>
           <a:prstGeom prst="roundRect">
@@ -3296,7 +3296,7 @@
         </p:nvSpPr>
         <p:spPr>
           <a:xfrm>
-            <a:off x="8460552" y="4420690"/>
+            <a:off x="8460556" y="4420690"/>
             <a:ext cx="840827" cy="599090"/>
           </a:xfrm>
           <a:prstGeom prst="roundRect">
@@ -3706,7 +3706,7 @@
             </p:nvSpPr>
             <p:spPr>
               <a:xfrm>
-                <a:off x="4151313" y="-48191"/>
+                <a:off x="4151317" y="-48191"/>
                 <a:ext cx="4666591" cy="707886"/>
               </a:xfrm>
               <a:prstGeom prst="rect">
@@ -3741,16 +3741,10 @@
                         <m:t>𝐸</m:t>
                       </m:r>
                       <m:r>
-                        <a:rPr lang="de-DE" sz="2000" b="0" i="1">
-                          <a:latin typeface="Cambria Math" panose="02040503050406030204" pitchFamily="18" charset="0"/>
-                        </a:rPr>
-                        <m:t>=</m:t>
-                      </m:r>
-                      <m:r>
                         <a:rPr lang="de-DE" sz="2000" i="1">
                           <a:latin typeface="Cambria Math" panose="02040503050406030204" pitchFamily="18" charset="0"/>
                         </a:rPr>
-                        <m:t>(</m:t>
+                        <m:t>=(</m:t>
                       </m:r>
                       <m:sSub>
                         <m:sSubPr>
@@ -3762,7 +3756,7 @@
                         </m:sSubPr>
                         <m:e>
                           <m:r>
-                            <a:rPr lang="de-DE" sz="2000" b="0" i="1">
+                            <a:rPr lang="de-DE" sz="2000" i="1">
                               <a:latin typeface="Cambria Math" panose="02040503050406030204" pitchFamily="18" charset="0"/>
                             </a:rPr>
                             <m:t>𝑒</m:t>
@@ -3793,7 +3787,7 @@
                         </m:sSubPr>
                         <m:e>
                           <m:r>
-                            <a:rPr lang="de-DE" sz="2000" b="0" i="1">
+                            <a:rPr lang="de-DE" sz="2000" i="1">
                               <a:latin typeface="Cambria Math" panose="02040503050406030204" pitchFamily="18" charset="0"/>
                             </a:rPr>
                             <m:t>𝑒</m:t>
@@ -3824,7 +3818,7 @@
                         </m:sSubPr>
                         <m:e>
                           <m:r>
-                            <a:rPr lang="de-DE" sz="2000" b="0" i="1">
+                            <a:rPr lang="de-DE" sz="2000" i="1">
                               <a:latin typeface="Cambria Math" panose="02040503050406030204" pitchFamily="18" charset="0"/>
                             </a:rPr>
                             <m:t>𝑒</m:t>
@@ -3855,7 +3849,7 @@
                         </m:sSubPr>
                         <m:e>
                           <m:r>
-                            <a:rPr lang="de-DE" sz="2000" b="0" i="1">
+                            <a:rPr lang="de-DE" sz="2000" i="1">
                               <a:latin typeface="Cambria Math" panose="02040503050406030204" pitchFamily="18" charset="0"/>
                             </a:rPr>
                             <m:t>𝑒</m:t>
@@ -3901,7 +3895,7 @@
             </p:nvSpPr>
             <p:spPr>
               <a:xfrm>
-                <a:off x="4151313" y="-48191"/>
+                <a:off x="4151317" y="-48191"/>
                 <a:ext cx="4666591" cy="707886"/>
               </a:xfrm>
               <a:prstGeom prst="rect">
@@ -4021,7 +4015,7 @@
                         </m:sSubPr>
                         <m:e>
                           <m:r>
-                            <a:rPr lang="de-DE" b="0" i="1">
+                            <a:rPr lang="de-DE" i="1">
                               <a:latin typeface="Cambria Math" panose="02040503050406030204" pitchFamily="18" charset="0"/>
                             </a:rPr>
                             <m:t>𝑒</m:t>
@@ -4136,7 +4130,7 @@
                         </m:sSubPr>
                         <m:e>
                           <m:r>
-                            <a:rPr lang="de-DE" b="0" i="1">
+                            <a:rPr lang="de-DE" i="1">
                               <a:latin typeface="Cambria Math" panose="02040503050406030204" pitchFamily="18" charset="0"/>
                             </a:rPr>
                             <m:t>𝑒</m:t>
@@ -4251,7 +4245,7 @@
                         </m:sSubPr>
                         <m:e>
                           <m:r>
-                            <a:rPr lang="de-DE" b="0" i="1">
+                            <a:rPr lang="de-DE" i="1">
                               <a:latin typeface="Cambria Math" panose="02040503050406030204" pitchFamily="18" charset="0"/>
                             </a:rPr>
                             <m:t>𝑒</m:t>
@@ -4379,7 +4373,7 @@
         </p:nvCxnSpPr>
         <p:spPr>
           <a:xfrm>
-            <a:off x="7150373" y="659697"/>
+            <a:off x="7150377" y="659699"/>
             <a:ext cx="1247117" cy="566055"/>
           </a:xfrm>
           <a:prstGeom prst="straightConnector1">
@@ -4421,7 +4415,7 @@
         </p:nvSpPr>
         <p:spPr>
           <a:xfrm>
-            <a:off x="5662155" y="2389602"/>
+            <a:off x="5662159" y="2389604"/>
             <a:ext cx="290345" cy="452487"/>
           </a:xfrm>
           <a:custGeom>
@@ -4520,7 +4514,7 @@
         </p:nvSpPr>
         <p:spPr>
           <a:xfrm>
-            <a:off x="5962867" y="2389602"/>
+            <a:off x="5962867" y="2389604"/>
             <a:ext cx="518474" cy="2017337"/>
           </a:xfrm>
           <a:custGeom>
@@ -4712,7 +4706,7 @@
         </p:nvSpPr>
         <p:spPr>
           <a:xfrm>
-            <a:off x="6033572" y="5019679"/>
+            <a:off x="6033576" y="5019679"/>
             <a:ext cx="475359" cy="961534"/>
           </a:xfrm>
           <a:custGeom>
@@ -4808,7 +4802,7 @@
         </p:nvSpPr>
         <p:spPr>
           <a:xfrm>
-            <a:off x="8106750" y="2389602"/>
+            <a:off x="8106754" y="2389604"/>
             <a:ext cx="290345" cy="452487"/>
           </a:xfrm>
           <a:custGeom>
@@ -4907,7 +4901,7 @@
         </p:nvSpPr>
         <p:spPr>
           <a:xfrm>
-            <a:off x="8407462" y="2389602"/>
+            <a:off x="8407462" y="2389604"/>
             <a:ext cx="518474" cy="2017337"/>
           </a:xfrm>
           <a:custGeom>
@@ -5099,7 +5093,7 @@
         </p:nvSpPr>
         <p:spPr>
           <a:xfrm>
-            <a:off x="8478167" y="5019679"/>
+            <a:off x="8478171" y="5019679"/>
             <a:ext cx="475359" cy="961534"/>
           </a:xfrm>
           <a:custGeom>
@@ -5195,7 +5189,7 @@
         </p:nvSpPr>
         <p:spPr>
           <a:xfrm>
-            <a:off x="4238907" y="2392328"/>
+            <a:off x="4238911" y="2392330"/>
             <a:ext cx="290345" cy="452487"/>
           </a:xfrm>
           <a:custGeom>
@@ -5294,7 +5288,7 @@
         </p:nvSpPr>
         <p:spPr>
           <a:xfrm>
-            <a:off x="4539619" y="2392328"/>
+            <a:off x="4539619" y="2392330"/>
             <a:ext cx="518474" cy="2017337"/>
           </a:xfrm>
           <a:custGeom>
@@ -5486,7 +5480,7 @@
         </p:nvSpPr>
         <p:spPr>
           <a:xfrm>
-            <a:off x="4610324" y="5022405"/>
+            <a:off x="4610328" y="5022405"/>
             <a:ext cx="475359" cy="961534"/>
           </a:xfrm>
           <a:custGeom>
@@ -5568,8 +5562,8 @@
           </a:p>
         </p:txBody>
       </p:sp>
-      <mc:AlternateContent xmlns:mc="http://schemas.openxmlformats.org/markup-compatibility/2006" xmlns:a14="http://schemas.microsoft.com/office/drawing/2010/main">
-        <mc:Choice Requires="a14">
+      <mc:AlternateContent xmlns:mc="http://schemas.openxmlformats.org/markup-compatibility/2006">
+        <mc:Choice xmlns:a14="http://schemas.microsoft.com/office/drawing/2010/main" Requires="a14">
           <p:sp>
             <p:nvSpPr>
               <p:cNvPr id="122" name="TextBox 121">
@@ -5646,7 +5640,7 @@
             </p:txBody>
           </p:sp>
         </mc:Choice>
-        <mc:Fallback xmlns="">
+        <mc:Fallback>
           <p:sp>
             <p:nvSpPr>
               <p:cNvPr id="122" name="TextBox 121">
@@ -5691,8 +5685,8 @@
           </p:sp>
         </mc:Fallback>
       </mc:AlternateContent>
-      <mc:AlternateContent xmlns:mc="http://schemas.openxmlformats.org/markup-compatibility/2006" xmlns:a14="http://schemas.microsoft.com/office/drawing/2010/main">
-        <mc:Choice Requires="a14">
+      <mc:AlternateContent xmlns:mc="http://schemas.openxmlformats.org/markup-compatibility/2006">
+        <mc:Choice xmlns:a14="http://schemas.microsoft.com/office/drawing/2010/main" Requires="a14">
           <p:sp>
             <p:nvSpPr>
               <p:cNvPr id="123" name="TextBox 122">
@@ -5769,7 +5763,7 @@
             </p:txBody>
           </p:sp>
         </mc:Choice>
-        <mc:Fallback xmlns="">
+        <mc:Fallback>
           <p:sp>
             <p:nvSpPr>
               <p:cNvPr id="123" name="TextBox 122">
@@ -5828,7 +5822,7 @@
         </p:nvSpPr>
         <p:spPr>
           <a:xfrm>
-            <a:off x="4285261" y="6823364"/>
+            <a:off x="4285265" y="6823364"/>
             <a:ext cx="589353" cy="398316"/>
           </a:xfrm>
           <a:prstGeom prst="roundRect">
@@ -5895,7 +5889,7 @@
         </p:nvSpPr>
         <p:spPr>
           <a:xfrm>
-            <a:off x="5696663" y="6823364"/>
+            <a:off x="5696667" y="6823364"/>
             <a:ext cx="589353" cy="398316"/>
           </a:xfrm>
           <a:prstGeom prst="roundRect">
@@ -5962,7 +5956,7 @@
         </p:nvSpPr>
         <p:spPr>
           <a:xfrm>
-            <a:off x="8110411" y="6823364"/>
+            <a:off x="8110415" y="6823364"/>
             <a:ext cx="589353" cy="398316"/>
           </a:xfrm>
           <a:prstGeom prst="roundRect">
@@ -6029,7 +6023,7 @@
         </p:nvSpPr>
         <p:spPr>
           <a:xfrm>
-            <a:off x="4399638" y="2034304"/>
+            <a:off x="4399642" y="2034304"/>
             <a:ext cx="360601" cy="361116"/>
           </a:xfrm>
           <a:prstGeom prst="ellipse">
@@ -6093,7 +6087,7 @@
         </p:nvSpPr>
         <p:spPr>
           <a:xfrm>
-            <a:off x="5805065" y="2035704"/>
+            <a:off x="5805069" y="2035704"/>
             <a:ext cx="360601" cy="361116"/>
           </a:xfrm>
           <a:prstGeom prst="ellipse">
@@ -6157,7 +6151,7 @@
         </p:nvSpPr>
         <p:spPr>
           <a:xfrm>
-            <a:off x="8215249" y="2035704"/>
+            <a:off x="8215253" y="2035704"/>
             <a:ext cx="360601" cy="361116"/>
           </a:xfrm>
           <a:prstGeom prst="ellipse">
@@ -6225,7 +6219,7 @@
         </p:nvCxnSpPr>
         <p:spPr>
           <a:xfrm>
-            <a:off x="4571724" y="1595652"/>
+            <a:off x="4571724" y="1595654"/>
             <a:ext cx="8214" cy="438653"/>
           </a:xfrm>
           <a:prstGeom prst="straightConnector1">
@@ -6271,7 +6265,7 @@
         </p:nvCxnSpPr>
         <p:spPr>
           <a:xfrm>
-            <a:off x="5985365" y="1595652"/>
+            <a:off x="5985365" y="1595654"/>
             <a:ext cx="0" cy="440053"/>
           </a:xfrm>
           <a:prstGeom prst="straightConnector1">
@@ -6316,7 +6310,7 @@
         </p:nvCxnSpPr>
         <p:spPr>
           <a:xfrm flipH="1">
-            <a:off x="8395550" y="1595082"/>
+            <a:off x="8395554" y="1595082"/>
             <a:ext cx="1939" cy="440622"/>
           </a:xfrm>
           <a:prstGeom prst="straightConnector1">
@@ -6358,7 +6352,7 @@
         </p:nvSpPr>
         <p:spPr>
           <a:xfrm>
-            <a:off x="4399638" y="5994643"/>
+            <a:off x="4399642" y="5994643"/>
             <a:ext cx="360601" cy="361116"/>
           </a:xfrm>
           <a:prstGeom prst="ellipse">
@@ -6422,7 +6416,7 @@
         </p:nvSpPr>
         <p:spPr>
           <a:xfrm>
-            <a:off x="5805064" y="5994643"/>
+            <a:off x="5805068" y="5994643"/>
             <a:ext cx="360601" cy="361116"/>
           </a:xfrm>
           <a:prstGeom prst="ellipse">
@@ -6486,7 +6480,7 @@
         </p:nvSpPr>
         <p:spPr>
           <a:xfrm>
-            <a:off x="8215249" y="5994643"/>
+            <a:off x="8215253" y="5994643"/>
             <a:ext cx="360601" cy="361116"/>
           </a:xfrm>
           <a:prstGeom prst="ellipse">
@@ -6553,7 +6547,7 @@
         </p:nvCxnSpPr>
         <p:spPr>
           <a:xfrm flipH="1">
-            <a:off x="4579938" y="6355760"/>
+            <a:off x="4579942" y="6355762"/>
             <a:ext cx="1" cy="467605"/>
           </a:xfrm>
           <a:prstGeom prst="straightConnector1">
@@ -6598,7 +6592,7 @@
         </p:nvCxnSpPr>
         <p:spPr>
           <a:xfrm>
-            <a:off x="5985365" y="6355760"/>
+            <a:off x="5985369" y="6355762"/>
             <a:ext cx="5975" cy="467605"/>
           </a:xfrm>
           <a:prstGeom prst="straightConnector1">
@@ -6643,7 +6637,7 @@
         </p:nvCxnSpPr>
         <p:spPr>
           <a:xfrm>
-            <a:off x="8395549" y="6355760"/>
+            <a:off x="8395549" y="6355762"/>
             <a:ext cx="9538" cy="467605"/>
           </a:xfrm>
           <a:prstGeom prst="straightConnector1">
@@ -6688,7 +6682,7 @@
         </p:nvCxnSpPr>
         <p:spPr>
           <a:xfrm>
-            <a:off x="2849209" y="3141190"/>
+            <a:off x="2849213" y="3141190"/>
             <a:ext cx="1007061" cy="0"/>
           </a:xfrm>
           <a:prstGeom prst="straightConnector1">
@@ -6732,7 +6726,7 @@
         </p:nvCxnSpPr>
         <p:spPr>
           <a:xfrm flipH="1">
-            <a:off x="9301379" y="4730743"/>
+            <a:off x="9301383" y="4730743"/>
             <a:ext cx="1189819" cy="0"/>
           </a:xfrm>
           <a:prstGeom prst="straightConnector1">
@@ -6849,7 +6843,7 @@
         </p:nvCxnSpPr>
         <p:spPr>
           <a:xfrm>
-            <a:off x="8522861" y="3141190"/>
+            <a:off x="8522865" y="3141190"/>
             <a:ext cx="1619345" cy="0"/>
           </a:xfrm>
           <a:prstGeom prst="straightConnector1">
@@ -6893,7 +6887,7 @@
         </p:nvCxnSpPr>
         <p:spPr>
           <a:xfrm flipH="1" flipV="1">
-            <a:off x="2849209" y="4713308"/>
+            <a:off x="2849213" y="4713310"/>
             <a:ext cx="1785579" cy="6927"/>
           </a:xfrm>
           <a:prstGeom prst="straightConnector1">
@@ -6935,7 +6929,7 @@
         </p:nvSpPr>
         <p:spPr>
           <a:xfrm>
-            <a:off x="1091890" y="1225750"/>
+            <a:off x="1091894" y="1225750"/>
             <a:ext cx="1328945" cy="369332"/>
           </a:xfrm>
           <a:prstGeom prst="rect">
@@ -7043,8 +7037,8 @@
         </p:nvSpPr>
         <p:spPr>
           <a:xfrm>
-            <a:off x="576434" y="6838617"/>
-            <a:ext cx="2354835" cy="369332"/>
+            <a:off x="496113" y="6837856"/>
+            <a:ext cx="2515478" cy="369332"/>
           </a:xfrm>
           <a:prstGeom prst="rect">
             <a:avLst/>
@@ -7060,7 +7054,7 @@
             <a:pPr algn="ctr"/>
             <a:r>
               <a:rPr lang="de-DE"/>
-              <a:t>Fully Connected Layer</a:t>
+              <a:t>2x Fully Connected Layer</a:t>
             </a:r>
           </a:p>
         </p:txBody>
@@ -7079,7 +7073,7 @@
         </p:nvSpPr>
         <p:spPr>
           <a:xfrm>
-            <a:off x="583717" y="7805586"/>
+            <a:off x="583721" y="7805586"/>
             <a:ext cx="2354835" cy="369332"/>
           </a:xfrm>
           <a:prstGeom prst="rect">
@@ -7115,7 +7109,7 @@
         </p:nvSpPr>
         <p:spPr>
           <a:xfrm>
-            <a:off x="530709" y="8600716"/>
+            <a:off x="530713" y="8600716"/>
             <a:ext cx="2354835" cy="369332"/>
           </a:xfrm>
           <a:prstGeom prst="rect">
@@ -7153,7 +7147,7 @@
             </p:nvSpPr>
             <p:spPr>
               <a:xfrm>
-                <a:off x="7627658" y="7805586"/>
+                <a:off x="7627662" y="7805588"/>
                 <a:ext cx="1535781" cy="430887"/>
               </a:xfrm>
               <a:prstGeom prst="rect">
@@ -7171,14 +7165,14 @@
                 <a14:m>
                   <m:oMath xmlns:m="http://schemas.openxmlformats.org/officeDocument/2006/math">
                     <m:r>
-                      <a:rPr lang="de-DE" sz="2200" b="0" i="1">
+                      <a:rPr lang="de-DE" sz="2200" i="1">
                         <a:latin typeface="Cambria Math" panose="02040503050406030204" pitchFamily="18" charset="0"/>
                         <a:ea typeface="Cambria Math" panose="02040503050406030204" pitchFamily="18" charset="0"/>
                       </a:rPr>
                       <m:t>𝑓</m:t>
                     </m:r>
                     <m:r>
-                      <a:rPr lang="de-DE" sz="2200" b="0" i="1">
+                      <a:rPr lang="de-DE" sz="2200" i="1">
                         <a:latin typeface="Cambria Math" panose="02040503050406030204" pitchFamily="18" charset="0"/>
                         <a:ea typeface="Cambria Math" panose="02040503050406030204" pitchFamily="18" charset="0"/>
                       </a:rPr>
@@ -7202,7 +7196,7 @@
                       </m:sSubPr>
                       <m:e>
                         <m:r>
-                          <a:rPr lang="de-DE" sz="2200" b="0" i="1">
+                          <a:rPr lang="de-DE" sz="2200" i="1">
                             <a:latin typeface="Cambria Math" panose="02040503050406030204" pitchFamily="18" charset="0"/>
                           </a:rPr>
                           <m:t>𝑜</m:t>
@@ -7210,7 +7204,7 @@
                       </m:e>
                       <m:sub>
                         <m:r>
-                          <a:rPr lang="de-DE" sz="2200" b="0" i="1">
+                          <a:rPr lang="de-DE" sz="2200" i="1">
                             <a:latin typeface="Cambria Math" panose="02040503050406030204" pitchFamily="18" charset="0"/>
                           </a:rPr>
                           <m:t>𝑠</m:t>
@@ -7250,7 +7244,7 @@
             </p:nvSpPr>
             <p:spPr>
               <a:xfrm>
-                <a:off x="7627658" y="7805586"/>
+                <a:off x="7627662" y="7805588"/>
                 <a:ext cx="1535781" cy="430887"/>
               </a:xfrm>
               <a:prstGeom prst="rect">
@@ -7294,7 +7288,7 @@
             </p:nvSpPr>
             <p:spPr>
               <a:xfrm>
-                <a:off x="7756060" y="8569938"/>
+                <a:off x="7756060" y="8569940"/>
                 <a:ext cx="1278978" cy="430887"/>
               </a:xfrm>
               <a:prstGeom prst="rect">
@@ -7325,7 +7319,7 @@
                         </m:sSubPr>
                         <m:e>
                           <m:r>
-                            <a:rPr lang="de-DE" sz="2200" b="0" i="1">
+                            <a:rPr lang="de-DE" sz="2200" i="1">
                               <a:latin typeface="Cambria Math" panose="02040503050406030204" pitchFamily="18" charset="0"/>
                             </a:rPr>
                             <m:t>𝑝</m:t>
@@ -7333,7 +7327,7 @@
                         </m:e>
                         <m:sub>
                           <m:r>
-                            <a:rPr lang="de-DE" sz="2200" b="0" i="1">
+                            <a:rPr lang="de-DE" sz="2200" i="1">
                               <a:latin typeface="Cambria Math" panose="02040503050406030204" pitchFamily="18" charset="0"/>
                             </a:rPr>
                             <m:t>𝑠</m:t>
@@ -7371,7 +7365,7 @@
             </p:nvSpPr>
             <p:spPr>
               <a:xfrm>
-                <a:off x="7756060" y="8569938"/>
+                <a:off x="7756060" y="8569940"/>
                 <a:ext cx="1278978" cy="430887"/>
               </a:xfrm>
               <a:prstGeom prst="rect">
@@ -7417,7 +7411,7 @@
         </p:nvCxnSpPr>
         <p:spPr>
           <a:xfrm flipH="1">
-            <a:off x="8395549" y="7221680"/>
+            <a:off x="8395553" y="7221680"/>
             <a:ext cx="9539" cy="583906"/>
           </a:xfrm>
           <a:prstGeom prst="straightConnector1">
@@ -7463,7 +7457,7 @@
         </p:nvCxnSpPr>
         <p:spPr>
           <a:xfrm>
-            <a:off x="8395549" y="8236473"/>
+            <a:off x="8395549" y="8236475"/>
             <a:ext cx="0" cy="333465"/>
           </a:xfrm>
           <a:prstGeom prst="straightConnector1">

--- a/img/lstm_model.pptx
+++ b/img/lstm_model.pptx
@@ -242,7 +242,7 @@
           <a:lstStyle/>
           <a:p>
             <a:fld id="{088E9914-5902-1149-A491-99309B2717EE}" type="datetimeFigureOut">
-              <a:t>14.07.20</a:t>
+              <a:t>18.08.20</a:t>
             </a:fld>
             <a:endParaRPr lang="de-DE"/>
           </a:p>
@@ -410,7 +410,7 @@
           <a:lstStyle/>
           <a:p>
             <a:fld id="{088E9914-5902-1149-A491-99309B2717EE}" type="datetimeFigureOut">
-              <a:t>14.07.20</a:t>
+              <a:t>18.08.20</a:t>
             </a:fld>
             <a:endParaRPr lang="de-DE"/>
           </a:p>
@@ -588,7 +588,7 @@
           <a:lstStyle/>
           <a:p>
             <a:fld id="{088E9914-5902-1149-A491-99309B2717EE}" type="datetimeFigureOut">
-              <a:t>14.07.20</a:t>
+              <a:t>18.08.20</a:t>
             </a:fld>
             <a:endParaRPr lang="de-DE"/>
           </a:p>
@@ -756,7 +756,7 @@
           <a:lstStyle/>
           <a:p>
             <a:fld id="{088E9914-5902-1149-A491-99309B2717EE}" type="datetimeFigureOut">
-              <a:t>14.07.20</a:t>
+              <a:t>18.08.20</a:t>
             </a:fld>
             <a:endParaRPr lang="de-DE"/>
           </a:p>
@@ -998,7 +998,7 @@
           <a:lstStyle/>
           <a:p>
             <a:fld id="{088E9914-5902-1149-A491-99309B2717EE}" type="datetimeFigureOut">
-              <a:t>14.07.20</a:t>
+              <a:t>18.08.20</a:t>
             </a:fld>
             <a:endParaRPr lang="de-DE"/>
           </a:p>
@@ -1228,7 +1228,7 @@
           <a:lstStyle/>
           <a:p>
             <a:fld id="{088E9914-5902-1149-A491-99309B2717EE}" type="datetimeFigureOut">
-              <a:t>14.07.20</a:t>
+              <a:t>18.08.20</a:t>
             </a:fld>
             <a:endParaRPr lang="de-DE"/>
           </a:p>
@@ -1593,7 +1593,7 @@
           <a:lstStyle/>
           <a:p>
             <a:fld id="{088E9914-5902-1149-A491-99309B2717EE}" type="datetimeFigureOut">
-              <a:t>14.07.20</a:t>
+              <a:t>18.08.20</a:t>
             </a:fld>
             <a:endParaRPr lang="de-DE"/>
           </a:p>
@@ -1709,7 +1709,7 @@
           <a:lstStyle/>
           <a:p>
             <a:fld id="{088E9914-5902-1149-A491-99309B2717EE}" type="datetimeFigureOut">
-              <a:t>14.07.20</a:t>
+              <a:t>18.08.20</a:t>
             </a:fld>
             <a:endParaRPr lang="de-DE"/>
           </a:p>
@@ -1802,7 +1802,7 @@
           <a:lstStyle/>
           <a:p>
             <a:fld id="{088E9914-5902-1149-A491-99309B2717EE}" type="datetimeFigureOut">
-              <a:t>14.07.20</a:t>
+              <a:t>18.08.20</a:t>
             </a:fld>
             <a:endParaRPr lang="de-DE"/>
           </a:p>
@@ -2077,7 +2077,7 @@
           <a:lstStyle/>
           <a:p>
             <a:fld id="{088E9914-5902-1149-A491-99309B2717EE}" type="datetimeFigureOut">
-              <a:t>14.07.20</a:t>
+              <a:t>18.08.20</a:t>
             </a:fld>
             <a:endParaRPr lang="de-DE"/>
           </a:p>
@@ -2332,7 +2332,7 @@
           <a:lstStyle/>
           <a:p>
             <a:fld id="{088E9914-5902-1149-A491-99309B2717EE}" type="datetimeFigureOut">
-              <a:t>14.07.20</a:t>
+              <a:t>18.08.20</a:t>
             </a:fld>
             <a:endParaRPr lang="de-DE"/>
           </a:p>
@@ -2543,7 +2543,7 @@
           </a:lstStyle>
           <a:p>
             <a:fld id="{088E9914-5902-1149-A491-99309B2717EE}" type="datetimeFigureOut">
-              <a:t>14.07.20</a:t>
+              <a:t>18.08.20</a:t>
             </a:fld>
             <a:endParaRPr lang="de-DE"/>
           </a:p>
@@ -3690,8 +3690,8 @@
           </a:fontRef>
         </p:style>
       </p:cxnSp>
-      <mc:AlternateContent xmlns:mc="http://schemas.openxmlformats.org/markup-compatibility/2006">
-        <mc:Choice xmlns:a14="http://schemas.microsoft.com/office/drawing/2010/main" Requires="a14">
+      <mc:AlternateContent xmlns:mc="http://schemas.openxmlformats.org/markup-compatibility/2006" xmlns:a14="http://schemas.microsoft.com/office/drawing/2010/main">
+        <mc:Choice Requires="a14">
           <p:sp>
             <p:nvSpPr>
               <p:cNvPr id="28" name="TextBox 27">
@@ -3878,7 +3878,7 @@
             </p:txBody>
           </p:sp>
         </mc:Choice>
-        <mc:Fallback>
+        <mc:Fallback xmlns="">
           <p:sp>
             <p:nvSpPr>
               <p:cNvPr id="28" name="TextBox 27">
@@ -3968,8 +3968,8 @@
           </a:fontRef>
         </p:style>
       </p:cxnSp>
-      <mc:AlternateContent xmlns:mc="http://schemas.openxmlformats.org/markup-compatibility/2006">
-        <mc:Choice xmlns:a14="http://schemas.microsoft.com/office/drawing/2010/main" Requires="a14">
+      <mc:AlternateContent xmlns:mc="http://schemas.openxmlformats.org/markup-compatibility/2006" xmlns:a14="http://schemas.microsoft.com/office/drawing/2010/main">
+        <mc:Choice Requires="a14">
           <p:sp>
             <p:nvSpPr>
               <p:cNvPr id="59" name="TextBox 58">
@@ -4038,7 +4038,7 @@
             </p:txBody>
           </p:sp>
         </mc:Choice>
-        <mc:Fallback>
+        <mc:Fallback xmlns="">
           <p:sp>
             <p:nvSpPr>
               <p:cNvPr id="59" name="TextBox 58">
@@ -4083,8 +4083,8 @@
           </p:sp>
         </mc:Fallback>
       </mc:AlternateContent>
-      <mc:AlternateContent xmlns:mc="http://schemas.openxmlformats.org/markup-compatibility/2006">
-        <mc:Choice xmlns:a14="http://schemas.microsoft.com/office/drawing/2010/main" Requires="a14">
+      <mc:AlternateContent xmlns:mc="http://schemas.openxmlformats.org/markup-compatibility/2006" xmlns:a14="http://schemas.microsoft.com/office/drawing/2010/main">
+        <mc:Choice Requires="a14">
           <p:sp>
             <p:nvSpPr>
               <p:cNvPr id="60" name="TextBox 59">
@@ -4153,7 +4153,7 @@
             </p:txBody>
           </p:sp>
         </mc:Choice>
-        <mc:Fallback>
+        <mc:Fallback xmlns="">
           <p:sp>
             <p:nvSpPr>
               <p:cNvPr id="60" name="TextBox 59">
@@ -4198,8 +4198,8 @@
           </p:sp>
         </mc:Fallback>
       </mc:AlternateContent>
-      <mc:AlternateContent xmlns:mc="http://schemas.openxmlformats.org/markup-compatibility/2006">
-        <mc:Choice xmlns:a14="http://schemas.microsoft.com/office/drawing/2010/main" Requires="a14">
+      <mc:AlternateContent xmlns:mc="http://schemas.openxmlformats.org/markup-compatibility/2006" xmlns:a14="http://schemas.microsoft.com/office/drawing/2010/main">
+        <mc:Choice Requires="a14">
           <p:sp>
             <p:nvSpPr>
               <p:cNvPr id="61" name="TextBox 60">
@@ -4268,7 +4268,7 @@
             </p:txBody>
           </p:sp>
         </mc:Choice>
-        <mc:Fallback>
+        <mc:Fallback xmlns="">
           <p:sp>
             <p:nvSpPr>
               <p:cNvPr id="61" name="TextBox 60">
@@ -5562,8 +5562,8 @@
           </a:p>
         </p:txBody>
       </p:sp>
-      <mc:AlternateContent xmlns:mc="http://schemas.openxmlformats.org/markup-compatibility/2006">
-        <mc:Choice xmlns:a14="http://schemas.microsoft.com/office/drawing/2010/main" Requires="a14">
+      <mc:AlternateContent xmlns:mc="http://schemas.openxmlformats.org/markup-compatibility/2006" xmlns:a14="http://schemas.microsoft.com/office/drawing/2010/main">
+        <mc:Choice Requires="a14">
           <p:sp>
             <p:nvSpPr>
               <p:cNvPr id="122" name="TextBox 121">
@@ -5640,7 +5640,7 @@
             </p:txBody>
           </p:sp>
         </mc:Choice>
-        <mc:Fallback>
+        <mc:Fallback xmlns="">
           <p:sp>
             <p:nvSpPr>
               <p:cNvPr id="122" name="TextBox 121">
@@ -5685,8 +5685,8 @@
           </p:sp>
         </mc:Fallback>
       </mc:AlternateContent>
-      <mc:AlternateContent xmlns:mc="http://schemas.openxmlformats.org/markup-compatibility/2006">
-        <mc:Choice xmlns:a14="http://schemas.microsoft.com/office/drawing/2010/main" Requires="a14">
+      <mc:AlternateContent xmlns:mc="http://schemas.openxmlformats.org/markup-compatibility/2006" xmlns:a14="http://schemas.microsoft.com/office/drawing/2010/main">
+        <mc:Choice Requires="a14">
           <p:sp>
             <p:nvSpPr>
               <p:cNvPr id="123" name="TextBox 122">
@@ -5763,7 +5763,7 @@
             </p:txBody>
           </p:sp>
         </mc:Choice>
-        <mc:Fallback>
+        <mc:Fallback xmlns="">
           <p:sp>
             <p:nvSpPr>
               <p:cNvPr id="123" name="TextBox 122">
@@ -7165,11 +7165,11 @@
                 <a14:m>
                   <m:oMath xmlns:m="http://schemas.openxmlformats.org/officeDocument/2006/math">
                     <m:r>
-                      <a:rPr lang="de-DE" sz="2200" i="1">
+                      <a:rPr lang="de-DE" sz="2200" b="0" i="1">
                         <a:latin typeface="Cambria Math" panose="02040503050406030204" pitchFamily="18" charset="0"/>
                         <a:ea typeface="Cambria Math" panose="02040503050406030204" pitchFamily="18" charset="0"/>
                       </a:rPr>
-                      <m:t>𝑓</m:t>
+                      <m:t>𝑎𝑐𝑡</m:t>
                     </m:r>
                     <m:r>
                       <a:rPr lang="de-DE" sz="2200" i="1">
@@ -7272,8 +7272,8 @@
           </p:sp>
         </mc:Fallback>
       </mc:AlternateContent>
-      <mc:AlternateContent xmlns:mc="http://schemas.openxmlformats.org/markup-compatibility/2006">
-        <mc:Choice xmlns:a14="http://schemas.microsoft.com/office/drawing/2010/main" Requires="a14">
+      <mc:AlternateContent xmlns:mc="http://schemas.openxmlformats.org/markup-compatibility/2006" xmlns:a14="http://schemas.microsoft.com/office/drawing/2010/main">
+        <mc:Choice Requires="a14">
           <p:sp>
             <p:nvSpPr>
               <p:cNvPr id="180" name="TextBox 179">
@@ -7348,7 +7348,7 @@
             </p:txBody>
           </p:sp>
         </mc:Choice>
-        <mc:Fallback>
+        <mc:Fallback xmlns="">
           <p:sp>
             <p:nvSpPr>
               <p:cNvPr id="180" name="TextBox 179">
